--- a/UML/11_객체UML(시퀀스).pptx
+++ b/UML/11_객체UML(시퀀스).pptx
@@ -221,7 +221,7 @@
           <a:p>
             <a:fld id="{4F4BDD88-E5D9-4E70-A448-3556BB33AA72}" type="datetimeFigureOut">
               <a:rPr lang="ko-KR" altLang="en-US" smtClean="0"/>
-              <a:t>2019-09-23</a:t>
+              <a:t>2019-09-24</a:t>
             </a:fld>
             <a:endParaRPr lang="ko-KR" altLang="en-US"/>
           </a:p>
@@ -620,7 +620,7 @@
           <a:p>
             <a:fld id="{443EFB69-F0EC-4822-AE63-00EAEBE003EB}" type="datetime1">
               <a:rPr lang="ko-KR" altLang="en-US" smtClean="0"/>
-              <a:t>2019-09-23</a:t>
+              <a:t>2019-09-24</a:t>
             </a:fld>
             <a:endParaRPr lang="ko-KR" altLang="en-US"/>
           </a:p>
@@ -883,7 +883,7 @@
           <a:p>
             <a:fld id="{CE59A610-291F-4FCD-B6D1-E1AEA4C57316}" type="datetime1">
               <a:rPr lang="ko-KR" altLang="en-US" smtClean="0"/>
-              <a:t>2019-09-23</a:t>
+              <a:t>2019-09-24</a:t>
             </a:fld>
             <a:endParaRPr lang="ko-KR" altLang="en-US"/>
           </a:p>
@@ -1068,7 +1068,7 @@
           <a:p>
             <a:fld id="{89B384C2-21DC-451A-85E7-10117E4DEC2C}" type="datetime1">
               <a:rPr lang="ko-KR" altLang="en-US" smtClean="0"/>
-              <a:t>2019-09-23</a:t>
+              <a:t>2019-09-24</a:t>
             </a:fld>
             <a:endParaRPr lang="ko-KR" altLang="en-US"/>
           </a:p>
@@ -1407,7 +1407,7 @@
           <a:p>
             <a:fld id="{D65EF312-86D8-4FC5-AD84-AFC561126411}" type="datetime1">
               <a:rPr lang="ko-KR" altLang="en-US" smtClean="0"/>
-              <a:t>2019-09-23</a:t>
+              <a:t>2019-09-24</a:t>
             </a:fld>
             <a:endParaRPr lang="ko-KR" altLang="en-US"/>
           </a:p>
@@ -1628,7 +1628,7 @@
           <a:p>
             <a:fld id="{6B7AF35F-C316-4D44-BCE1-B5D76FAA6FA6}" type="datetime1">
               <a:rPr lang="ko-KR" altLang="en-US" smtClean="0"/>
-              <a:t>2019-09-23</a:t>
+              <a:t>2019-09-24</a:t>
             </a:fld>
             <a:endParaRPr lang="ko-KR" altLang="en-US"/>
           </a:p>
@@ -1867,7 +1867,7 @@
           <a:p>
             <a:fld id="{A0DCB827-A3CE-435B-A78F-1B24C298D468}" type="datetime1">
               <a:rPr lang="ko-KR" altLang="en-US" smtClean="0"/>
-              <a:t>2019-09-23</a:t>
+              <a:t>2019-09-24</a:t>
             </a:fld>
             <a:endParaRPr lang="ko-KR" altLang="en-US"/>
           </a:p>
@@ -1969,7 +1969,7 @@
           <a:p>
             <a:fld id="{9B04BE9A-83D6-4A93-9424-19DD5CD63289}" type="datetime1">
               <a:rPr lang="ko-KR" altLang="en-US" smtClean="0"/>
-              <a:t>2019-09-23</a:t>
+              <a:t>2019-09-24</a:t>
             </a:fld>
             <a:endParaRPr lang="ko-KR" altLang="en-US"/>
           </a:p>
@@ -2253,7 +2253,7 @@
           <a:p>
             <a:fld id="{88474E88-0905-4806-88EC-3D6908030BD7}" type="datetime1">
               <a:rPr lang="ko-KR" altLang="en-US" smtClean="0"/>
-              <a:t>2019-09-23</a:t>
+              <a:t>2019-09-24</a:t>
             </a:fld>
             <a:endParaRPr lang="ko-KR" altLang="en-US"/>
           </a:p>
@@ -2513,7 +2513,7 @@
           <a:p>
             <a:fld id="{B4BDB3A4-79A6-4700-AF39-4ADF589BD2FC}" type="datetime1">
               <a:rPr lang="ko-KR" altLang="en-US" smtClean="0"/>
-              <a:t>2019-09-23</a:t>
+              <a:t>2019-09-24</a:t>
             </a:fld>
             <a:endParaRPr lang="ko-KR" altLang="en-US"/>
           </a:p>
@@ -2690,7 +2690,7 @@
           <a:p>
             <a:fld id="{2FF580AF-4AF3-4251-B2D1-BA9096D22850}" type="datetime1">
               <a:rPr lang="ko-KR" altLang="en-US" smtClean="0"/>
-              <a:t>2019-09-23</a:t>
+              <a:t>2019-09-24</a:t>
             </a:fld>
             <a:endParaRPr lang="ko-KR" altLang="en-US"/>
           </a:p>
@@ -2910,7 +2910,7 @@
           <a:p>
             <a:fld id="{3427A348-7E7B-460C-8F18-76B7CB69ACC0}" type="datetime1">
               <a:rPr lang="ko-KR" altLang="en-US" smtClean="0"/>
-              <a:t>2019-09-23</a:t>
+              <a:t>2019-09-24</a:t>
             </a:fld>
             <a:endParaRPr lang="ko-KR" altLang="en-US"/>
           </a:p>
@@ -3502,21 +3502,21 @@
                 <a:gridCol w="761117">
                   <a:extLst>
                     <a:ext uri="{9D8B030D-6E8A-4147-A177-3AD203B41FA5}">
-                      <a16:colId xmlns:a16="http://schemas.microsoft.com/office/drawing/2014/main" xmlns="" val="20000"/>
+                      <a16:colId xmlns="" xmlns:a16="http://schemas.microsoft.com/office/drawing/2014/main" val="20000"/>
                     </a:ext>
                   </a:extLst>
                 </a:gridCol>
                 <a:gridCol w="2672876">
                   <a:extLst>
                     <a:ext uri="{9D8B030D-6E8A-4147-A177-3AD203B41FA5}">
-                      <a16:colId xmlns:a16="http://schemas.microsoft.com/office/drawing/2014/main" xmlns="" val="20001"/>
+                      <a16:colId xmlns="" xmlns:a16="http://schemas.microsoft.com/office/drawing/2014/main" val="20001"/>
                     </a:ext>
                   </a:extLst>
                 </a:gridCol>
                 <a:gridCol w="4452707">
                   <a:extLst>
                     <a:ext uri="{9D8B030D-6E8A-4147-A177-3AD203B41FA5}">
-                      <a16:colId xmlns:a16="http://schemas.microsoft.com/office/drawing/2014/main" xmlns="" val="20002"/>
+                      <a16:colId xmlns="" xmlns:a16="http://schemas.microsoft.com/office/drawing/2014/main" val="20002"/>
                     </a:ext>
                   </a:extLst>
                 </a:gridCol>
@@ -3731,7 +3731,7 @@
                 </a:tc>
                 <a:extLst>
                   <a:ext uri="{0D108BD9-81ED-4DB2-BD59-A6C34878D82A}">
-                    <a16:rowId xmlns:a16="http://schemas.microsoft.com/office/drawing/2014/main" xmlns="" val="10000"/>
+                    <a16:rowId xmlns="" xmlns:a16="http://schemas.microsoft.com/office/drawing/2014/main" val="10000"/>
                   </a:ext>
                 </a:extLst>
               </a:tr>
@@ -3970,7 +3970,7 @@
                 </a:tc>
                 <a:extLst>
                   <a:ext uri="{0D108BD9-81ED-4DB2-BD59-A6C34878D82A}">
-                    <a16:rowId xmlns:a16="http://schemas.microsoft.com/office/drawing/2014/main" xmlns="" val="10001"/>
+                    <a16:rowId xmlns="" xmlns:a16="http://schemas.microsoft.com/office/drawing/2014/main" val="10001"/>
                   </a:ext>
                 </a:extLst>
               </a:tr>
@@ -4231,7 +4231,7 @@
                 </a:tc>
                 <a:extLst>
                   <a:ext uri="{0D108BD9-81ED-4DB2-BD59-A6C34878D82A}">
-                    <a16:rowId xmlns:a16="http://schemas.microsoft.com/office/drawing/2014/main" xmlns="" val="10002"/>
+                    <a16:rowId xmlns="" xmlns:a16="http://schemas.microsoft.com/office/drawing/2014/main" val="10002"/>
                   </a:ext>
                 </a:extLst>
               </a:tr>
@@ -4514,7 +4514,7 @@
                 </a:tc>
                 <a:extLst>
                   <a:ext uri="{0D108BD9-81ED-4DB2-BD59-A6C34878D82A}">
-                    <a16:rowId xmlns:a16="http://schemas.microsoft.com/office/drawing/2014/main" xmlns="" val="10003"/>
+                    <a16:rowId xmlns="" xmlns:a16="http://schemas.microsoft.com/office/drawing/2014/main" val="10003"/>
                   </a:ext>
                 </a:extLst>
               </a:tr>
@@ -5289,7 +5289,25 @@
             </a:r>
             <a:r>
               <a:rPr lang="ko-KR" altLang="en-US" dirty="0" smtClean="0"/>
-              <a:t> 다이어그램</a:t>
+              <a:t> </a:t>
+            </a:r>
+            <a:r>
+              <a:rPr lang="ko-KR" altLang="en-US" dirty="0" smtClean="0"/>
+              <a:t>다이어그램</a:t>
+            </a:r>
+            <a:endParaRPr lang="en-US" altLang="ko-KR" dirty="0" smtClean="0"/>
+          </a:p>
+          <a:p>
+            <a:endParaRPr lang="en-US" altLang="ko-KR" dirty="0"/>
+          </a:p>
+          <a:p>
+            <a:r>
+              <a:rPr lang="en-US" altLang="ko-KR" dirty="0" smtClean="0"/>
+              <a:t>State </a:t>
+            </a:r>
+            <a:r>
+              <a:rPr lang="ko-KR" altLang="en-US" dirty="0" smtClean="0"/>
+              <a:t>다이어그램</a:t>
             </a:r>
             <a:endParaRPr lang="en-US" altLang="ko-KR" dirty="0" smtClean="0"/>
           </a:p>
@@ -5370,18 +5388,58 @@
           <a:lstStyle/>
           <a:p>
             <a:r>
-              <a:rPr lang="ko-KR" altLang="en-US" dirty="0" smtClean="0"/>
+              <a:rPr lang="ko-KR" altLang="en-US" b="1" dirty="0" smtClean="0">
+                <a:solidFill>
+                  <a:srgbClr val="FF0000"/>
+                </a:solidFill>
+              </a:rPr>
               <a:t>시퀀스</a:t>
             </a:r>
             <a:r>
-              <a:rPr lang="en-US" altLang="ko-KR" dirty="0" smtClean="0"/>
+              <a:rPr lang="en-US" altLang="ko-KR" b="1" dirty="0" smtClean="0">
+                <a:solidFill>
+                  <a:srgbClr val="FF0000"/>
+                </a:solidFill>
+              </a:rPr>
               <a:t> </a:t>
             </a:r>
             <a:r>
-              <a:rPr lang="ko-KR" altLang="en-US" dirty="0" smtClean="0"/>
+              <a:rPr lang="ko-KR" altLang="en-US" b="1" dirty="0" smtClean="0">
+                <a:solidFill>
+                  <a:srgbClr val="FF0000"/>
+                </a:solidFill>
+              </a:rPr>
               <a:t>다이어그램</a:t>
             </a:r>
-            <a:endParaRPr lang="ko-KR" altLang="en-US" dirty="0"/>
+            <a:r>
+              <a:rPr lang="en-US" altLang="ko-KR" b="1" dirty="0" smtClean="0">
+                <a:solidFill>
+                  <a:srgbClr val="FF0000"/>
+                </a:solidFill>
+              </a:rPr>
+              <a:t>(</a:t>
+            </a:r>
+            <a:r>
+              <a:rPr lang="ko-KR" altLang="en-US" b="1" dirty="0" smtClean="0">
+                <a:solidFill>
+                  <a:srgbClr val="FF0000"/>
+                </a:solidFill>
+              </a:rPr>
+              <a:t>중요</a:t>
+            </a:r>
+            <a:r>
+              <a:rPr lang="en-US" altLang="ko-KR" b="1" dirty="0" smtClean="0">
+                <a:solidFill>
+                  <a:srgbClr val="FF0000"/>
+                </a:solidFill>
+              </a:rPr>
+              <a:t>!?!)</a:t>
+            </a:r>
+            <a:endParaRPr lang="ko-KR" altLang="en-US" b="1" dirty="0">
+              <a:solidFill>
+                <a:srgbClr val="FF0000"/>
+              </a:solidFill>
+            </a:endParaRPr>
           </a:p>
         </p:txBody>
       </p:sp>
@@ -5430,11 +5488,11 @@
           </a:p>
           <a:p>
             <a:r>
-              <a:rPr lang="ko-KR" altLang="en-US" dirty="0" smtClean="0"/>
+              <a:rPr lang="ko-KR" altLang="en-US" b="1" dirty="0" smtClean="0"/>
               <a:t>시간의 </a:t>
             </a:r>
             <a:r>
-              <a:rPr lang="ko-KR" altLang="en-US" dirty="0"/>
+              <a:rPr lang="ko-KR" altLang="en-US" b="1" dirty="0"/>
               <a:t>흐름에 따른 객체들간의 상호작용을 표현</a:t>
             </a:r>
           </a:p>
@@ -5613,15 +5671,15 @@
               <a:t>시퀀스 다이어그램은 </a:t>
             </a:r>
             <a:r>
-              <a:rPr lang="ko-KR" altLang="en-US" dirty="0" err="1"/>
+              <a:rPr lang="ko-KR" altLang="en-US" b="1" dirty="0" err="1"/>
               <a:t>유스케이스를</a:t>
             </a:r>
             <a:r>
-              <a:rPr lang="ko-KR" altLang="en-US" dirty="0"/>
+              <a:rPr lang="ko-KR" altLang="en-US" b="1" dirty="0"/>
               <a:t> 실현</a:t>
             </a:r>
             <a:r>
-              <a:rPr lang="en-US" altLang="ko-KR" dirty="0"/>
+              <a:rPr lang="en-US" altLang="ko-KR" b="1" dirty="0"/>
               <a:t>(Realization)</a:t>
             </a:r>
             <a:r>
@@ -5850,7 +5908,6 @@
               <a:rPr lang="ko-KR" altLang="en-US" dirty="0"/>
               <a:t>다이어그램</a:t>
             </a:r>
-            <a:endParaRPr lang="ko-KR" altLang="en-US" dirty="0"/>
           </a:p>
         </p:txBody>
       </p:sp>
@@ -5994,7 +6051,6 @@
               <a:rPr lang="ko-KR" altLang="en-US" dirty="0"/>
               <a:t>다이어그램</a:t>
             </a:r>
-            <a:endParaRPr lang="ko-KR" altLang="en-US" dirty="0"/>
           </a:p>
         </p:txBody>
       </p:sp>
@@ -6219,21 +6275,21 @@
                 <a:gridCol w="742950">
                   <a:extLst>
                     <a:ext uri="{9D8B030D-6E8A-4147-A177-3AD203B41FA5}">
-                      <a16:colId xmlns:a16="http://schemas.microsoft.com/office/drawing/2014/main" xmlns="" val="20000"/>
+                      <a16:colId xmlns="" xmlns:a16="http://schemas.microsoft.com/office/drawing/2014/main" val="20000"/>
                     </a:ext>
                   </a:extLst>
                 </a:gridCol>
                 <a:gridCol w="1488831">
                   <a:extLst>
                     <a:ext uri="{9D8B030D-6E8A-4147-A177-3AD203B41FA5}">
-                      <a16:colId xmlns:a16="http://schemas.microsoft.com/office/drawing/2014/main" xmlns="" val="20001"/>
+                      <a16:colId xmlns="" xmlns:a16="http://schemas.microsoft.com/office/drawing/2014/main" val="20001"/>
                     </a:ext>
                   </a:extLst>
                 </a:gridCol>
                 <a:gridCol w="5654919">
                   <a:extLst>
                     <a:ext uri="{9D8B030D-6E8A-4147-A177-3AD203B41FA5}">
-                      <a16:colId xmlns:a16="http://schemas.microsoft.com/office/drawing/2014/main" xmlns="" val="20002"/>
+                      <a16:colId xmlns="" xmlns:a16="http://schemas.microsoft.com/office/drawing/2014/main" val="20002"/>
                     </a:ext>
                   </a:extLst>
                 </a:gridCol>
@@ -6448,7 +6504,7 @@
                 </a:tc>
                 <a:extLst>
                   <a:ext uri="{0D108BD9-81ED-4DB2-BD59-A6C34878D82A}">
-                    <a16:rowId xmlns:a16="http://schemas.microsoft.com/office/drawing/2014/main" xmlns="" val="10000"/>
+                    <a16:rowId xmlns="" xmlns:a16="http://schemas.microsoft.com/office/drawing/2014/main" val="10000"/>
                   </a:ext>
                 </a:extLst>
               </a:tr>
@@ -6701,7 +6757,7 @@
                 </a:tc>
                 <a:extLst>
                   <a:ext uri="{0D108BD9-81ED-4DB2-BD59-A6C34878D82A}">
-                    <a16:rowId xmlns:a16="http://schemas.microsoft.com/office/drawing/2014/main" xmlns="" val="10001"/>
+                    <a16:rowId xmlns="" xmlns:a16="http://schemas.microsoft.com/office/drawing/2014/main" val="10001"/>
                   </a:ext>
                 </a:extLst>
               </a:tr>
@@ -6985,7 +7041,7 @@
                 </a:tc>
                 <a:extLst>
                   <a:ext uri="{0D108BD9-81ED-4DB2-BD59-A6C34878D82A}">
-                    <a16:rowId xmlns:a16="http://schemas.microsoft.com/office/drawing/2014/main" xmlns="" val="10002"/>
+                    <a16:rowId xmlns="" xmlns:a16="http://schemas.microsoft.com/office/drawing/2014/main" val="10002"/>
                   </a:ext>
                 </a:extLst>
               </a:tr>
@@ -7238,7 +7294,7 @@
                 </a:tc>
                 <a:extLst>
                   <a:ext uri="{0D108BD9-81ED-4DB2-BD59-A6C34878D82A}">
-                    <a16:rowId xmlns:a16="http://schemas.microsoft.com/office/drawing/2014/main" xmlns="" val="10003"/>
+                    <a16:rowId xmlns="" xmlns:a16="http://schemas.microsoft.com/office/drawing/2014/main" val="10003"/>
                   </a:ext>
                 </a:extLst>
               </a:tr>
@@ -7557,7 +7613,7 @@
                 </a:tc>
                 <a:extLst>
                   <a:ext uri="{0D108BD9-81ED-4DB2-BD59-A6C34878D82A}">
-                    <a16:rowId xmlns:a16="http://schemas.microsoft.com/office/drawing/2014/main" xmlns="" val="10004"/>
+                    <a16:rowId xmlns="" xmlns:a16="http://schemas.microsoft.com/office/drawing/2014/main" val="10004"/>
                   </a:ext>
                 </a:extLst>
               </a:tr>
@@ -7645,21 +7701,21 @@
                 <a:gridCol w="824048">
                   <a:extLst>
                     <a:ext uri="{9D8B030D-6E8A-4147-A177-3AD203B41FA5}">
-                      <a16:colId xmlns:a16="http://schemas.microsoft.com/office/drawing/2014/main" xmlns="" val="20000"/>
+                      <a16:colId xmlns="" xmlns:a16="http://schemas.microsoft.com/office/drawing/2014/main" val="20000"/>
                     </a:ext>
                   </a:extLst>
                 </a:gridCol>
                 <a:gridCol w="2241780">
                   <a:extLst>
                     <a:ext uri="{9D8B030D-6E8A-4147-A177-3AD203B41FA5}">
-                      <a16:colId xmlns:a16="http://schemas.microsoft.com/office/drawing/2014/main" xmlns="" val="20001"/>
+                      <a16:colId xmlns="" xmlns:a16="http://schemas.microsoft.com/office/drawing/2014/main" val="20001"/>
                     </a:ext>
                   </a:extLst>
                 </a:gridCol>
                 <a:gridCol w="4820872">
                   <a:extLst>
                     <a:ext uri="{9D8B030D-6E8A-4147-A177-3AD203B41FA5}">
-                      <a16:colId xmlns:a16="http://schemas.microsoft.com/office/drawing/2014/main" xmlns="" val="20002"/>
+                      <a16:colId xmlns="" xmlns:a16="http://schemas.microsoft.com/office/drawing/2014/main" val="20002"/>
                     </a:ext>
                   </a:extLst>
                 </a:gridCol>
@@ -7874,7 +7930,7 @@
                 </a:tc>
                 <a:extLst>
                   <a:ext uri="{0D108BD9-81ED-4DB2-BD59-A6C34878D82A}">
-                    <a16:rowId xmlns:a16="http://schemas.microsoft.com/office/drawing/2014/main" xmlns="" val="10000"/>
+                    <a16:rowId xmlns="" xmlns:a16="http://schemas.microsoft.com/office/drawing/2014/main" val="10000"/>
                   </a:ext>
                 </a:extLst>
               </a:tr>
@@ -8202,7 +8258,7 @@
                 </a:tc>
                 <a:extLst>
                   <a:ext uri="{0D108BD9-81ED-4DB2-BD59-A6C34878D82A}">
-                    <a16:rowId xmlns:a16="http://schemas.microsoft.com/office/drawing/2014/main" xmlns="" val="10001"/>
+                    <a16:rowId xmlns="" xmlns:a16="http://schemas.microsoft.com/office/drawing/2014/main" val="10001"/>
                   </a:ext>
                 </a:extLst>
               </a:tr>
@@ -8433,7 +8489,7 @@
                 </a:tc>
                 <a:extLst>
                   <a:ext uri="{0D108BD9-81ED-4DB2-BD59-A6C34878D82A}">
-                    <a16:rowId xmlns:a16="http://schemas.microsoft.com/office/drawing/2014/main" xmlns="" val="10002"/>
+                    <a16:rowId xmlns="" xmlns:a16="http://schemas.microsoft.com/office/drawing/2014/main" val="10002"/>
                   </a:ext>
                 </a:extLst>
               </a:tr>
@@ -8664,7 +8720,7 @@
                 </a:tc>
                 <a:extLst>
                   <a:ext uri="{0D108BD9-81ED-4DB2-BD59-A6C34878D82A}">
-                    <a16:rowId xmlns:a16="http://schemas.microsoft.com/office/drawing/2014/main" xmlns="" val="10003"/>
+                    <a16:rowId xmlns="" xmlns:a16="http://schemas.microsoft.com/office/drawing/2014/main" val="10003"/>
                   </a:ext>
                 </a:extLst>
               </a:tr>
@@ -8895,7 +8951,7 @@
                 </a:tc>
                 <a:extLst>
                   <a:ext uri="{0D108BD9-81ED-4DB2-BD59-A6C34878D82A}">
-                    <a16:rowId xmlns:a16="http://schemas.microsoft.com/office/drawing/2014/main" xmlns="" val="10004"/>
+                    <a16:rowId xmlns="" xmlns:a16="http://schemas.microsoft.com/office/drawing/2014/main" val="10004"/>
                   </a:ext>
                 </a:extLst>
               </a:tr>
@@ -8983,21 +9039,21 @@
                 <a:gridCol w="812354">
                   <a:extLst>
                     <a:ext uri="{9D8B030D-6E8A-4147-A177-3AD203B41FA5}">
-                      <a16:colId xmlns:a16="http://schemas.microsoft.com/office/drawing/2014/main" xmlns="" val="20000"/>
+                      <a16:colId xmlns="" xmlns:a16="http://schemas.microsoft.com/office/drawing/2014/main" val="20000"/>
                     </a:ext>
                   </a:extLst>
                 </a:gridCol>
                 <a:gridCol w="2321890">
                   <a:extLst>
                     <a:ext uri="{9D8B030D-6E8A-4147-A177-3AD203B41FA5}">
-                      <a16:colId xmlns:a16="http://schemas.microsoft.com/office/drawing/2014/main" xmlns="" val="20001"/>
+                      <a16:colId xmlns="" xmlns:a16="http://schemas.microsoft.com/office/drawing/2014/main" val="20001"/>
                     </a:ext>
                   </a:extLst>
                 </a:gridCol>
                 <a:gridCol w="4752456">
                   <a:extLst>
                     <a:ext uri="{9D8B030D-6E8A-4147-A177-3AD203B41FA5}">
-                      <a16:colId xmlns:a16="http://schemas.microsoft.com/office/drawing/2014/main" xmlns="" val="20002"/>
+                      <a16:colId xmlns="" xmlns:a16="http://schemas.microsoft.com/office/drawing/2014/main" val="20002"/>
                     </a:ext>
                   </a:extLst>
                 </a:gridCol>
@@ -9212,7 +9268,7 @@
                 </a:tc>
                 <a:extLst>
                   <a:ext uri="{0D108BD9-81ED-4DB2-BD59-A6C34878D82A}">
-                    <a16:rowId xmlns:a16="http://schemas.microsoft.com/office/drawing/2014/main" xmlns="" val="10000"/>
+                    <a16:rowId xmlns="" xmlns:a16="http://schemas.microsoft.com/office/drawing/2014/main" val="10000"/>
                   </a:ext>
                 </a:extLst>
               </a:tr>
@@ -9421,7 +9477,7 @@
                 </a:tc>
                 <a:extLst>
                   <a:ext uri="{0D108BD9-81ED-4DB2-BD59-A6C34878D82A}">
-                    <a16:rowId xmlns:a16="http://schemas.microsoft.com/office/drawing/2014/main" xmlns="" val="10001"/>
+                    <a16:rowId xmlns="" xmlns:a16="http://schemas.microsoft.com/office/drawing/2014/main" val="10001"/>
                   </a:ext>
                 </a:extLst>
               </a:tr>
@@ -9630,7 +9686,7 @@
                 </a:tc>
                 <a:extLst>
                   <a:ext uri="{0D108BD9-81ED-4DB2-BD59-A6C34878D82A}">
-                    <a16:rowId xmlns:a16="http://schemas.microsoft.com/office/drawing/2014/main" xmlns="" val="10002"/>
+                    <a16:rowId xmlns="" xmlns:a16="http://schemas.microsoft.com/office/drawing/2014/main" val="10002"/>
                   </a:ext>
                 </a:extLst>
               </a:tr>
@@ -9839,7 +9895,7 @@
                 </a:tc>
                 <a:extLst>
                   <a:ext uri="{0D108BD9-81ED-4DB2-BD59-A6C34878D82A}">
-                    <a16:rowId xmlns:a16="http://schemas.microsoft.com/office/drawing/2014/main" xmlns="" val="10003"/>
+                    <a16:rowId xmlns="" xmlns:a16="http://schemas.microsoft.com/office/drawing/2014/main" val="10003"/>
                   </a:ext>
                 </a:extLst>
               </a:tr>
@@ -10145,7 +10201,7 @@
                 </a:tc>
                 <a:extLst>
                   <a:ext uri="{0D108BD9-81ED-4DB2-BD59-A6C34878D82A}">
-                    <a16:rowId xmlns:a16="http://schemas.microsoft.com/office/drawing/2014/main" xmlns="" val="10004"/>
+                    <a16:rowId xmlns="" xmlns:a16="http://schemas.microsoft.com/office/drawing/2014/main" val="10004"/>
                   </a:ext>
                 </a:extLst>
               </a:tr>
@@ -10542,7 +10598,7 @@
                 </a:tc>
                 <a:extLst>
                   <a:ext uri="{0D108BD9-81ED-4DB2-BD59-A6C34878D82A}">
-                    <a16:rowId xmlns:a16="http://schemas.microsoft.com/office/drawing/2014/main" xmlns="" val="10005"/>
+                    <a16:rowId xmlns="" xmlns:a16="http://schemas.microsoft.com/office/drawing/2014/main" val="10005"/>
                   </a:ext>
                 </a:extLst>
               </a:tr>
@@ -10837,7 +10893,7 @@
                 </a:tc>
                 <a:extLst>
                   <a:ext uri="{0D108BD9-81ED-4DB2-BD59-A6C34878D82A}">
-                    <a16:rowId xmlns:a16="http://schemas.microsoft.com/office/drawing/2014/main" xmlns="" val="10006"/>
+                    <a16:rowId xmlns="" xmlns:a16="http://schemas.microsoft.com/office/drawing/2014/main" val="10006"/>
                   </a:ext>
                 </a:extLst>
               </a:tr>
